--- a/talk_Mar12_2023.pptx
+++ b/talk_Mar12_2023.pptx
@@ -14,8 +14,9 @@
     <p:sldId id="265" r:id="rId8"/>
     <p:sldId id="259" r:id="rId9"/>
     <p:sldId id="260" r:id="rId10"/>
-    <p:sldId id="264" r:id="rId11"/>
-    <p:sldId id="266" r:id="rId12"/>
+    <p:sldId id="267" r:id="rId11"/>
+    <p:sldId id="264" r:id="rId12"/>
+    <p:sldId id="266" r:id="rId13"/>
   </p:sldIdLst>
   <p:sldSz cx="12192000" cy="6858000"/>
   <p:notesSz cx="6858000" cy="9144000"/>
@@ -140,6 +141,7 @@
           <p14:sldIdLst>
             <p14:sldId id="259"/>
             <p14:sldId id="260"/>
+            <p14:sldId id="267"/>
           </p14:sldIdLst>
         </p14:section>
         <p14:section name="FT" id="{C9121FDA-824D-4F20-9DCC-2F477D128076}">
@@ -3117,7 +3119,7 @@
           <a:p>
             <a:r>
               <a:rPr lang="en-US" dirty="0" smtClean="0"/>
-              <a:t>Theory	</a:t>
+              <a:t>Setup of experiment</a:t>
             </a:r>
             <a:endParaRPr lang="en-US" dirty="0"/>
           </a:p>
@@ -3140,8 +3142,31 @@
           <a:p>
             <a:r>
               <a:rPr lang="en-US" dirty="0" smtClean="0"/>
-              <a:t>Formalism for this optimization problem</a:t>
-            </a:r>
+              <a:t>Materials</a:t>
+            </a:r>
+          </a:p>
+          <a:p>
+            <a:r>
+              <a:rPr lang="en-US" dirty="0" smtClean="0"/>
+              <a:t>Dispersion</a:t>
+            </a:r>
+          </a:p>
+          <a:p>
+            <a:r>
+              <a:rPr lang="en-US" dirty="0" smtClean="0"/>
+              <a:t>GD method</a:t>
+            </a:r>
+          </a:p>
+          <a:p>
+            <a:r>
+              <a:rPr lang="en-US" dirty="0" smtClean="0"/>
+              <a:t>Needle insertion thickness</a:t>
+            </a:r>
+          </a:p>
+          <a:p>
+            <a:endParaRPr lang="en-US" dirty="0"/>
+          </a:p>
+          <a:p>
             <a:endParaRPr lang="en-US" dirty="0"/>
           </a:p>
         </p:txBody>
@@ -3149,7 +3174,7 @@
     </p:spTree>
     <p:extLst>
       <p:ext uri="{BB962C8B-B14F-4D97-AF65-F5344CB8AC3E}">
-        <p14:creationId xmlns:p14="http://schemas.microsoft.com/office/powerpoint/2010/main" val="2370746412"/>
+        <p14:creationId xmlns:p14="http://schemas.microsoft.com/office/powerpoint/2010/main" val="4195288328"/>
       </p:ext>
     </p:extLst>
   </p:cSld>
@@ -3191,7 +3216,360 @@
           <a:bodyPr/>
           <a:lstStyle/>
           <a:p>
-            <a:endParaRPr lang="en-US"/>
+            <a:r>
+              <a:rPr lang="en-US" dirty="0" smtClean="0"/>
+              <a:t>Theory	</a:t>
+            </a:r>
+            <a:endParaRPr lang="en-US" dirty="0"/>
+          </a:p>
+        </p:txBody>
+      </p:sp>
+      <mc:AlternateContent xmlns:mc="http://schemas.openxmlformats.org/markup-compatibility/2006">
+        <mc:Choice xmlns:a14="http://schemas.microsoft.com/office/drawing/2010/main" Requires="a14">
+          <p:sp>
+            <p:nvSpPr>
+              <p:cNvPr id="3" name="Content Placeholder 2"/>
+              <p:cNvSpPr>
+                <a:spLocks noGrp="1"/>
+              </p:cNvSpPr>
+              <p:nvPr>
+                <p:ph idx="1"/>
+              </p:nvPr>
+            </p:nvSpPr>
+            <p:spPr/>
+            <p:txBody>
+              <a:bodyPr/>
+              <a:lstStyle/>
+              <a:p>
+                <a:r>
+                  <a:rPr lang="en-US" dirty="0" smtClean="0"/>
+                  <a:t>Formalism for this optimization problem</a:t>
+                </a:r>
+              </a:p>
+              <a:p>
+                <a:r>
+                  <a:rPr lang="en-US" dirty="0" smtClean="0"/>
+                  <a:t>Write down spec in </a:t>
+                </a:r>
+                <a14:m>
+                  <m:oMath xmlns:m="http://schemas.openxmlformats.org/officeDocument/2006/math">
+                    <m:r>
+                      <a:rPr lang="en-US" b="0" i="1" smtClean="0">
+                        <a:latin typeface="Cambria Math" panose="02040503050406030204" pitchFamily="18" charset="0"/>
+                      </a:rPr>
+                      <m:t>𝑘</m:t>
+                    </m:r>
+                    <m:r>
+                      <a:rPr lang="en-US" b="0" i="1" smtClean="0">
+                        <a:latin typeface="Cambria Math" panose="02040503050406030204" pitchFamily="18" charset="0"/>
+                      </a:rPr>
+                      <m:t>=</m:t>
+                    </m:r>
+                    <m:f>
+                      <m:fPr>
+                        <m:ctrlPr>
+                          <a:rPr lang="en-US" b="0" i="1" smtClean="0">
+                            <a:latin typeface="Cambria Math" panose="02040503050406030204" pitchFamily="18" charset="0"/>
+                          </a:rPr>
+                        </m:ctrlPr>
+                      </m:fPr>
+                      <m:num>
+                        <m:r>
+                          <a:rPr lang="en-US" b="0" i="1" smtClean="0">
+                            <a:latin typeface="Cambria Math" panose="02040503050406030204" pitchFamily="18" charset="0"/>
+                          </a:rPr>
+                          <m:t>1</m:t>
+                        </m:r>
+                      </m:num>
+                      <m:den>
+                        <m:r>
+                          <a:rPr lang="en-US" b="0" i="1" smtClean="0">
+                            <a:latin typeface="Cambria Math" panose="02040503050406030204" pitchFamily="18" charset="0"/>
+                          </a:rPr>
+                          <m:t>𝜆</m:t>
+                        </m:r>
+                      </m:den>
+                    </m:f>
+                  </m:oMath>
+                </a14:m>
+                <a:r>
+                  <a:rPr lang="en-US" dirty="0" smtClean="0"/>
+                  <a:t> w.r.t. </a:t>
+                </a:r>
+                <a14:m>
+                  <m:oMath xmlns:m="http://schemas.openxmlformats.org/officeDocument/2006/math">
+                    <m:acc>
+                      <m:accPr>
+                        <m:chr m:val="⃗"/>
+                        <m:ctrlPr>
+                          <a:rPr lang="en-US" b="0" i="1" smtClean="0">
+                            <a:latin typeface="Cambria Math" panose="02040503050406030204" pitchFamily="18" charset="0"/>
+                          </a:rPr>
+                        </m:ctrlPr>
+                      </m:accPr>
+                      <m:e>
+                        <m:r>
+                          <a:rPr lang="en-US" b="0" i="1" smtClean="0">
+                            <a:latin typeface="Cambria Math" panose="02040503050406030204" pitchFamily="18" charset="0"/>
+                          </a:rPr>
+                          <m:t>𝑑</m:t>
+                        </m:r>
+                      </m:e>
+                    </m:acc>
+                  </m:oMath>
+                </a14:m>
+                <a:endParaRPr lang="en-US" dirty="0" smtClean="0"/>
+              </a:p>
+              <a:p>
+                <a:r>
+                  <a:rPr lang="en-US" dirty="0" smtClean="0"/>
+                  <a:t>Explanation in Fourier Domain</a:t>
+                </a:r>
+              </a:p>
+              <a:p>
+                <a:pPr lvl="1"/>
+                <a:r>
+                  <a:rPr lang="en-US" dirty="0" smtClean="0"/>
+                  <a:t>mask </a:t>
+                </a:r>
+                <a14:m>
+                  <m:oMath xmlns:m="http://schemas.openxmlformats.org/officeDocument/2006/math">
+                    <m:r>
+                      <a:rPr lang="en-US" b="0" i="1" smtClean="0">
+                        <a:latin typeface="Cambria Math" panose="02040503050406030204" pitchFamily="18" charset="0"/>
+                      </a:rPr>
+                      <m:t>→</m:t>
+                    </m:r>
+                  </m:oMath>
+                </a14:m>
+                <a:r>
+                  <a:rPr lang="en-US" dirty="0" smtClean="0"/>
+                  <a:t> zero padding</a:t>
+                </a:r>
+              </a:p>
+              <a:p>
+                <a:pPr lvl="1"/>
+                <a:r>
+                  <a:rPr lang="en-US" dirty="0" smtClean="0"/>
+                  <a:t>Blur out as conv. W.r.t </a:t>
+                </a:r>
+                <a14:m>
+                  <m:oMath xmlns:m="http://schemas.openxmlformats.org/officeDocument/2006/math">
+                    <m:r>
+                      <m:rPr>
+                        <m:sty m:val="p"/>
+                      </m:rPr>
+                      <a:rPr lang="en-US" b="0" i="0" smtClean="0">
+                        <a:latin typeface="Cambria Math" panose="02040503050406030204" pitchFamily="18" charset="0"/>
+                      </a:rPr>
+                      <m:t>sinc</m:t>
+                    </m:r>
+                  </m:oMath>
+                </a14:m>
+                <a:r>
+                  <a:rPr lang="en-US" dirty="0" smtClean="0"/>
+                  <a:t> </a:t>
+                </a:r>
+              </a:p>
+              <a:p>
+                <a:pPr lvl="1"/>
+                <a:r>
+                  <a:rPr lang="en-US" dirty="0" smtClean="0"/>
+                  <a:t>Largest significant </a:t>
+                </a:r>
+                <a14:m>
+                  <m:oMath xmlns:m="http://schemas.openxmlformats.org/officeDocument/2006/math">
+                    <m:r>
+                      <a:rPr lang="en-US" b="0" i="1" smtClean="0">
+                        <a:latin typeface="Cambria Math" panose="02040503050406030204" pitchFamily="18" charset="0"/>
+                      </a:rPr>
+                      <m:t>𝛿</m:t>
+                    </m:r>
+                    <m:d>
+                      <m:dPr>
+                        <m:ctrlPr>
+                          <a:rPr lang="en-US" b="0" i="1" smtClean="0">
+                            <a:latin typeface="Cambria Math" panose="02040503050406030204" pitchFamily="18" charset="0"/>
+                          </a:rPr>
+                        </m:ctrlPr>
+                      </m:dPr>
+                      <m:e>
+                        <m:r>
+                          <a:rPr lang="en-US" b="0" i="1" smtClean="0">
+                            <a:latin typeface="Cambria Math" panose="02040503050406030204" pitchFamily="18" charset="0"/>
+                          </a:rPr>
+                          <m:t>𝜅</m:t>
+                        </m:r>
+                        <m:r>
+                          <a:rPr lang="en-US" b="0" i="1" smtClean="0">
+                            <a:latin typeface="Cambria Math" panose="02040503050406030204" pitchFamily="18" charset="0"/>
+                          </a:rPr>
+                          <m:t>−</m:t>
+                        </m:r>
+                        <m:r>
+                          <a:rPr lang="en-US" b="0" i="1" smtClean="0">
+                            <a:latin typeface="Cambria Math" panose="02040503050406030204" pitchFamily="18" charset="0"/>
+                          </a:rPr>
+                          <m:t>𝜏</m:t>
+                        </m:r>
+                      </m:e>
+                    </m:d>
+                  </m:oMath>
+                </a14:m>
+                <a:r>
+                  <a:rPr lang="en-US" dirty="0" smtClean="0"/>
+                  <a:t> where </a:t>
+                </a:r>
+                <a14:m>
+                  <m:oMath xmlns:m="http://schemas.openxmlformats.org/officeDocument/2006/math">
+                    <m:r>
+                      <a:rPr lang="en-US" b="0" i="1" smtClean="0">
+                        <a:latin typeface="Cambria Math" panose="02040503050406030204" pitchFamily="18" charset="0"/>
+                      </a:rPr>
+                      <m:t>𝜅</m:t>
+                    </m:r>
+                  </m:oMath>
+                </a14:m>
+                <a:r>
+                  <a:rPr lang="en-US" dirty="0" smtClean="0"/>
+                  <a:t> is the </a:t>
+                </a:r>
+                <a:r>
+                  <a:rPr lang="en-US" i="1" dirty="0" smtClean="0"/>
+                  <a:t>freq.</a:t>
+                </a:r>
+                <a:r>
+                  <a:rPr lang="en-US" dirty="0" smtClean="0"/>
+                  <a:t> of </a:t>
+                </a:r>
+                <a14:m>
+                  <m:oMath xmlns:m="http://schemas.openxmlformats.org/officeDocument/2006/math">
+                    <m:r>
+                      <a:rPr lang="en-US" b="0" i="1" smtClean="0">
+                        <a:latin typeface="Cambria Math" panose="02040503050406030204" pitchFamily="18" charset="0"/>
+                      </a:rPr>
+                      <m:t>𝑘</m:t>
+                    </m:r>
+                  </m:oMath>
+                </a14:m>
+                <a:r>
+                  <a:rPr lang="en-US" dirty="0" smtClean="0"/>
+                  <a:t> and </a:t>
+                </a:r>
+                <a14:m>
+                  <m:oMath xmlns:m="http://schemas.openxmlformats.org/officeDocument/2006/math">
+                    <m:r>
+                      <a:rPr lang="en-US" b="0" i="1" smtClean="0">
+                        <a:latin typeface="Cambria Math" panose="02040503050406030204" pitchFamily="18" charset="0"/>
+                      </a:rPr>
+                      <m:t>𝜏</m:t>
+                    </m:r>
+                  </m:oMath>
+                </a14:m>
+                <a:r>
+                  <a:rPr lang="en-US" dirty="0" smtClean="0"/>
+                  <a:t> roughly the total OT</a:t>
+                </a:r>
+              </a:p>
+              <a:p>
+                <a:pPr lvl="1"/>
+                <a:r>
+                  <a:rPr lang="en-US" dirty="0" smtClean="0"/>
+                  <a:t>Minor correction: last layer same as substrate</a:t>
+                </a:r>
+                <a:endParaRPr lang="en-US" dirty="0" smtClean="0"/>
+              </a:p>
+              <a:p>
+                <a:pPr lvl="1"/>
+                <a:endParaRPr lang="en-US" dirty="0"/>
+              </a:p>
+            </p:txBody>
+          </p:sp>
+        </mc:Choice>
+        <mc:Fallback>
+          <p:sp>
+            <p:nvSpPr>
+              <p:cNvPr id="3" name="Content Placeholder 2"/>
+              <p:cNvSpPr>
+                <a:spLocks noGrp="1" noRot="1" noChangeAspect="1" noMove="1" noResize="1" noEditPoints="1" noAdjustHandles="1" noChangeArrowheads="1" noChangeShapeType="1" noTextEdit="1"/>
+              </p:cNvSpPr>
+              <p:nvPr>
+                <p:ph idx="1"/>
+              </p:nvPr>
+            </p:nvSpPr>
+            <p:spPr>
+              <a:blipFill>
+                <a:blip r:embed="rId2"/>
+                <a:stretch>
+                  <a:fillRect l="-1043" t="-2241"/>
+                </a:stretch>
+              </a:blipFill>
+            </p:spPr>
+            <p:txBody>
+              <a:bodyPr/>
+              <a:lstStyle/>
+              <a:p>
+                <a:r>
+                  <a:rPr lang="en-US">
+                    <a:noFill/>
+                  </a:rPr>
+                  <a:t> </a:t>
+                </a:r>
+              </a:p>
+            </p:txBody>
+          </p:sp>
+        </mc:Fallback>
+      </mc:AlternateContent>
+    </p:spTree>
+    <p:extLst>
+      <p:ext uri="{BB962C8B-B14F-4D97-AF65-F5344CB8AC3E}">
+        <p14:creationId xmlns:p14="http://schemas.microsoft.com/office/powerpoint/2010/main" val="2370746412"/>
+      </p:ext>
+    </p:extLst>
+  </p:cSld>
+  <p:clrMapOvr>
+    <a:masterClrMapping/>
+  </p:clrMapOvr>
+</p:sld>
+</file>
+
+<file path=ppt/slides/slide12.xml><?xml version="1.0" encoding="utf-8"?>
+<p:sld xmlns:a="http://schemas.openxmlformats.org/drawingml/2006/main" xmlns:r="http://schemas.openxmlformats.org/officeDocument/2006/relationships" xmlns:p="http://schemas.openxmlformats.org/presentationml/2006/main">
+  <p:cSld>
+    <p:spTree>
+      <p:nvGrpSpPr>
+        <p:cNvPr id="1" name=""/>
+        <p:cNvGrpSpPr/>
+        <p:nvPr/>
+      </p:nvGrpSpPr>
+      <p:grpSpPr>
+        <a:xfrm>
+          <a:off x="0" y="0"/>
+          <a:ext cx="0" cy="0"/>
+          <a:chOff x="0" y="0"/>
+          <a:chExt cx="0" cy="0"/>
+        </a:xfrm>
+      </p:grpSpPr>
+      <p:sp>
+        <p:nvSpPr>
+          <p:cNvPr id="2" name="Title 1"/>
+          <p:cNvSpPr>
+            <a:spLocks noGrp="1"/>
+          </p:cNvSpPr>
+          <p:nvPr>
+            <p:ph type="title"/>
+          </p:nvPr>
+        </p:nvSpPr>
+        <p:spPr/>
+        <p:txBody>
+          <a:bodyPr/>
+          <a:lstStyle/>
+          <a:p>
+            <a:r>
+              <a:rPr lang="en-US" dirty="0" smtClean="0"/>
+              <a:t>Parallelism</a:t>
+            </a:r>
+            <a:endParaRPr lang="en-US" dirty="0"/>
           </a:p>
         </p:txBody>
       </p:sp>
@@ -3210,7 +3588,25 @@
           <a:bodyPr/>
           <a:lstStyle/>
           <a:p>
-            <a:endParaRPr lang="en-US"/>
+            <a:r>
+              <a:rPr lang="en-US" dirty="0" smtClean="0"/>
+              <a:t>CPU</a:t>
+            </a:r>
+          </a:p>
+          <a:p>
+            <a:r>
+              <a:rPr lang="en-US" dirty="0" smtClean="0"/>
+              <a:t>GPU with CUDA (</a:t>
+            </a:r>
+            <a:r>
+              <a:rPr lang="en-US" dirty="0" err="1" smtClean="0"/>
+              <a:t>numba</a:t>
+            </a:r>
+            <a:r>
+              <a:rPr lang="en-US" dirty="0" smtClean="0"/>
+              <a:t>)</a:t>
+            </a:r>
+            <a:endParaRPr lang="en-US" dirty="0"/>
           </a:p>
         </p:txBody>
       </p:sp>
@@ -3746,19 +4142,27 @@
           <a:p>
             <a:pPr lvl="1"/>
             <a:r>
-              <a:rPr lang="en-US" b="1" dirty="0" smtClean="0"/>
-              <a:t>Conclusion1</a:t>
-            </a:r>
-            <a:r>
               <a:rPr lang="en-US" dirty="0" smtClean="0"/>
-              <a:t>: Better generalization but rel. higher loss (as expected)</a:t>
+              <a:t>Better generalization but rel. higher loss (as expected)</a:t>
             </a:r>
           </a:p>
           <a:p>
             <a:pPr lvl="1"/>
             <a:r>
               <a:rPr lang="en-US" dirty="0" smtClean="0"/>
-              <a:t>If target film simpler, may have good result (not yet implemented)</a:t>
+              <a:t>If </a:t>
+            </a:r>
+            <a:r>
+              <a:rPr lang="en-US" dirty="0" smtClean="0"/>
+              <a:t>target film </a:t>
+            </a:r>
+            <a:r>
+              <a:rPr lang="en-US" dirty="0" smtClean="0"/>
+              <a:t>simpler</a:t>
+            </a:r>
+            <a:r>
+              <a:rPr lang="en-US" dirty="0" smtClean="0"/>
+              <a:t>, may have good result (not yet implemented)</a:t>
             </a:r>
             <a:endParaRPr lang="en-US" dirty="0"/>
           </a:p>
@@ -3831,7 +4235,9 @@
             </p:nvSpPr>
             <p:spPr/>
             <p:txBody>
-              <a:bodyPr/>
+              <a:bodyPr>
+                <a:normAutofit lnSpcReduction="10000"/>
+              </a:bodyPr>
               <a:lstStyle/>
               <a:p>
                 <a:r>
@@ -4146,10 +4552,6 @@
               <a:p>
                 <a:pPr lvl="1"/>
                 <a:r>
-                  <a:rPr lang="en-US" dirty="0"/>
-                  <a:t> </a:t>
-                </a:r>
-                <a:r>
                   <a:rPr lang="en-US" dirty="0" smtClean="0"/>
                   <a:t>As </a:t>
                 </a:r>
@@ -4166,18 +4568,37 @@
                 </a14:m>
                 <a:r>
                   <a:rPr lang="en-US" dirty="0" smtClean="0"/>
-                  <a:t> cont. to increase, worse generalization performance</a:t>
+                  <a:t> cont. to increase, worse </a:t>
+                </a:r>
+                <a:r>
+                  <a:rPr lang="en-US" dirty="0" smtClean="0"/>
+                  <a:t>or equiv. generalization performance</a:t>
                 </a:r>
               </a:p>
               <a:p>
                 <a:pPr lvl="1"/>
                 <a:r>
+                  <a:rPr lang="en-US" dirty="0" smtClean="0"/>
+                  <a:t>Sometimes worse or equiv. similarity (to be illustrated)</a:t>
+                </a:r>
+                <a:endParaRPr lang="en-US" dirty="0" smtClean="0"/>
+              </a:p>
+              <a:p>
+                <a:r>
                   <a:rPr lang="en-US" b="1" dirty="0" smtClean="0"/>
-                  <a:t>Conclusion 2</a:t>
+                  <a:t>Conclusion </a:t>
+                </a:r>
+                <a:r>
+                  <a:rPr lang="en-US" b="1" dirty="0" smtClean="0"/>
+                  <a:t>1</a:t>
                 </a:r>
                 <a:r>
                   <a:rPr lang="en-US" dirty="0" smtClean="0"/>
-                  <a:t>: when design for known structure, should use </a:t>
+                  <a:t>: </a:t>
+                </a:r>
+                <a:r>
+                  <a:rPr lang="en-US" dirty="0" smtClean="0"/>
+                  <a:t>when design for known structure, should use </a:t>
                 </a:r>
                 <a14:m>
                   <m:oMath xmlns:m="http://schemas.openxmlformats.org/officeDocument/2006/math">
@@ -4252,7 +4673,7 @@
               <a:blipFill>
                 <a:blip r:embed="rId2"/>
                 <a:stretch>
-                  <a:fillRect l="-1043" t="-2241"/>
+                  <a:fillRect l="-1043" t="-3081"/>
                 </a:stretch>
               </a:blipFill>
             </p:spPr>
@@ -4338,6 +4759,16 @@
         <p:txBody>
           <a:bodyPr/>
           <a:lstStyle/>
+          <a:p>
+            <a:r>
+              <a:rPr lang="en-US" dirty="0" smtClean="0"/>
+              <a:t>Definition </a:t>
+            </a:r>
+            <a:r>
+              <a:rPr lang="en-US" smtClean="0"/>
+              <a:t>of metric</a:t>
+            </a:r>
+          </a:p>
           <a:p>
             <a:endParaRPr lang="en-US" dirty="0"/>
           </a:p>
